--- a/USCOTS2023_Gestalt.pptx
+++ b/USCOTS2023_Gestalt.pptx
@@ -3999,7 +3999,7 @@
         </p:spPr>
         <p:txBody>
           <a:bodyPr>
-            <a:normAutofit/>
+            <a:normAutofit lnSpcReduction="10000"/>
           </a:bodyPr>
           <a:lstStyle/>
           <a:p>
@@ -4007,6 +4007,29 @@
               <a:rPr lang="en-US" dirty="0"/>
               <a:t>Silas Bergen</a:t>
             </a:r>
+          </a:p>
+          <a:p>
+            <a:r>
+              <a:rPr lang="en-US" dirty="0" err="1"/>
+              <a:t>sbergen</a:t>
+            </a:r>
+            <a:r>
+              <a:rPr lang="en-US" dirty="0"/>
+              <a:t> at </a:t>
+            </a:r>
+            <a:r>
+              <a:rPr lang="en-US" dirty="0" err="1"/>
+              <a:t>winona</a:t>
+            </a:r>
+            <a:r>
+              <a:rPr lang="en-US" dirty="0"/>
+              <a:t> dot </a:t>
+            </a:r>
+            <a:r>
+              <a:rPr lang="en-US" dirty="0" err="1"/>
+              <a:t>edu</a:t>
+            </a:r>
+            <a:endParaRPr lang="en-US" dirty="0"/>
           </a:p>
           <a:p>
             <a:r>

--- a/USCOTS2023_Gestalt.pptx
+++ b/USCOTS2023_Gestalt.pptx
@@ -257,7 +257,7 @@
           <a:p>
             <a:fld id="{95663606-5321-4B15-B6E1-7648CC79B382}" type="datetimeFigureOut">
               <a:rPr lang="en-US" smtClean="0"/>
-              <a:t>5/30/2023</a:t>
+              <a:t>5/31/2023</a:t>
             </a:fld>
             <a:endParaRPr lang="en-US"/>
           </a:p>
@@ -857,7 +857,7 @@
           <a:p>
             <a:fld id="{89AA8F6E-F394-460E-A7CA-A9FEBA82B3BA}" type="datetimeFigureOut">
               <a:rPr lang="en-US" smtClean="0"/>
-              <a:t>5/30/2023</a:t>
+              <a:t>5/31/2023</a:t>
             </a:fld>
             <a:endParaRPr lang="en-US"/>
           </a:p>
@@ -1055,7 +1055,7 @@
           <a:p>
             <a:fld id="{89AA8F6E-F394-460E-A7CA-A9FEBA82B3BA}" type="datetimeFigureOut">
               <a:rPr lang="en-US" smtClean="0"/>
-              <a:t>5/30/2023</a:t>
+              <a:t>5/31/2023</a:t>
             </a:fld>
             <a:endParaRPr lang="en-US"/>
           </a:p>
@@ -1263,7 +1263,7 @@
           <a:p>
             <a:fld id="{89AA8F6E-F394-460E-A7CA-A9FEBA82B3BA}" type="datetimeFigureOut">
               <a:rPr lang="en-US" smtClean="0"/>
-              <a:t>5/30/2023</a:t>
+              <a:t>5/31/2023</a:t>
             </a:fld>
             <a:endParaRPr lang="en-US"/>
           </a:p>
@@ -1461,7 +1461,7 @@
           <a:p>
             <a:fld id="{89AA8F6E-F394-460E-A7CA-A9FEBA82B3BA}" type="datetimeFigureOut">
               <a:rPr lang="en-US" smtClean="0"/>
-              <a:t>5/30/2023</a:t>
+              <a:t>5/31/2023</a:t>
             </a:fld>
             <a:endParaRPr lang="en-US"/>
           </a:p>
@@ -1736,7 +1736,7 @@
           <a:p>
             <a:fld id="{89AA8F6E-F394-460E-A7CA-A9FEBA82B3BA}" type="datetimeFigureOut">
               <a:rPr lang="en-US" smtClean="0"/>
-              <a:t>5/30/2023</a:t>
+              <a:t>5/31/2023</a:t>
             </a:fld>
             <a:endParaRPr lang="en-US"/>
           </a:p>
@@ -2001,7 +2001,7 @@
           <a:p>
             <a:fld id="{89AA8F6E-F394-460E-A7CA-A9FEBA82B3BA}" type="datetimeFigureOut">
               <a:rPr lang="en-US" smtClean="0"/>
-              <a:t>5/30/2023</a:t>
+              <a:t>5/31/2023</a:t>
             </a:fld>
             <a:endParaRPr lang="en-US"/>
           </a:p>
@@ -2413,7 +2413,7 @@
           <a:p>
             <a:fld id="{89AA8F6E-F394-460E-A7CA-A9FEBA82B3BA}" type="datetimeFigureOut">
               <a:rPr lang="en-US" smtClean="0"/>
-              <a:t>5/30/2023</a:t>
+              <a:t>5/31/2023</a:t>
             </a:fld>
             <a:endParaRPr lang="en-US"/>
           </a:p>
@@ -2554,7 +2554,7 @@
           <a:p>
             <a:fld id="{89AA8F6E-F394-460E-A7CA-A9FEBA82B3BA}" type="datetimeFigureOut">
               <a:rPr lang="en-US" smtClean="0"/>
-              <a:t>5/30/2023</a:t>
+              <a:t>5/31/2023</a:t>
             </a:fld>
             <a:endParaRPr lang="en-US"/>
           </a:p>
@@ -2667,7 +2667,7 @@
           <a:p>
             <a:fld id="{89AA8F6E-F394-460E-A7CA-A9FEBA82B3BA}" type="datetimeFigureOut">
               <a:rPr lang="en-US" smtClean="0"/>
-              <a:t>5/30/2023</a:t>
+              <a:t>5/31/2023</a:t>
             </a:fld>
             <a:endParaRPr lang="en-US"/>
           </a:p>
@@ -2978,7 +2978,7 @@
           <a:p>
             <a:fld id="{89AA8F6E-F394-460E-A7CA-A9FEBA82B3BA}" type="datetimeFigureOut">
               <a:rPr lang="en-US" smtClean="0"/>
-              <a:t>5/30/2023</a:t>
+              <a:t>5/31/2023</a:t>
             </a:fld>
             <a:endParaRPr lang="en-US"/>
           </a:p>
@@ -3266,7 +3266,7 @@
           <a:p>
             <a:fld id="{89AA8F6E-F394-460E-A7CA-A9FEBA82B3BA}" type="datetimeFigureOut">
               <a:rPr lang="en-US" smtClean="0"/>
-              <a:t>5/30/2023</a:t>
+              <a:t>5/31/2023</a:t>
             </a:fld>
             <a:endParaRPr lang="en-US"/>
           </a:p>
@@ -3507,7 +3507,7 @@
           <a:p>
             <a:fld id="{89AA8F6E-F394-460E-A7CA-A9FEBA82B3BA}" type="datetimeFigureOut">
               <a:rPr lang="en-US" smtClean="0"/>
-              <a:t>5/30/2023</a:t>
+              <a:t>5/31/2023</a:t>
             </a:fld>
             <a:endParaRPr lang="en-US"/>
           </a:p>
@@ -6038,8 +6038,8 @@
         </p:nvSpPr>
         <p:spPr>
           <a:xfrm>
-            <a:off x="4393925" y="293663"/>
-            <a:ext cx="2959272" cy="707886"/>
+            <a:off x="3134384" y="262989"/>
+            <a:ext cx="5641160" cy="707886"/>
           </a:xfrm>
           <a:prstGeom prst="rect">
             <a:avLst/>
@@ -6054,7 +6054,7 @@
           <a:p>
             <a:r>
               <a:rPr lang="en-US" sz="4000" dirty="0"/>
-              <a:t>Find the fives</a:t>
+              <a:t>How many “5”s are there?</a:t>
             </a:r>
           </a:p>
         </p:txBody>
@@ -8406,10 +8406,10 @@
       </p:sp>
       <p:sp>
         <p:nvSpPr>
-          <p:cNvPr id="54" name="TextBox 53">
-            <a:extLst>
-              <a:ext uri="{FF2B5EF4-FFF2-40B4-BE49-F238E27FC236}">
-                <a16:creationId xmlns:a16="http://schemas.microsoft.com/office/drawing/2014/main" id="{564F3C24-7974-4DF6-9A28-814AE75ED25D}"/>
+          <p:cNvPr id="4" name="TextBox 3">
+            <a:extLst>
+              <a:ext uri="{FF2B5EF4-FFF2-40B4-BE49-F238E27FC236}">
+                <a16:creationId xmlns:a16="http://schemas.microsoft.com/office/drawing/2014/main" id="{446D4D46-3082-CEBC-4971-679566D32163}"/>
               </a:ext>
             </a:extLst>
           </p:cNvPr>
@@ -8418,8 +8418,8 @@
         </p:nvSpPr>
         <p:spPr>
           <a:xfrm>
-            <a:off x="4393925" y="293663"/>
-            <a:ext cx="2959272" cy="707886"/>
+            <a:off x="3134384" y="262989"/>
+            <a:ext cx="5641160" cy="707886"/>
           </a:xfrm>
           <a:prstGeom prst="rect">
             <a:avLst/>
@@ -8434,7 +8434,7 @@
           <a:p>
             <a:r>
               <a:rPr lang="en-US" sz="4000" dirty="0"/>
-              <a:t>Find the fives</a:t>
+              <a:t>How many “5”s are there?</a:t>
             </a:r>
           </a:p>
         </p:txBody>
@@ -19457,8 +19457,8 @@
           </a:prstGeom>
         </p:spPr>
       </p:pic>
-      <mc:AlternateContent xmlns:mc="http://schemas.openxmlformats.org/markup-compatibility/2006">
-        <mc:Choice xmlns:a14="http://schemas.microsoft.com/office/drawing/2010/main" Requires="a14">
+      <mc:AlternateContent xmlns:mc="http://schemas.openxmlformats.org/markup-compatibility/2006" xmlns:a14="http://schemas.microsoft.com/office/drawing/2010/main">
+        <mc:Choice Requires="a14">
           <p:sp>
             <p:nvSpPr>
               <p:cNvPr id="13" name="TextBox 12">
@@ -19525,7 +19525,7 @@
             </p:txBody>
           </p:sp>
         </mc:Choice>
-        <mc:Fallback>
+        <mc:Fallback xmlns="">
           <p:sp>
             <p:nvSpPr>
               <p:cNvPr id="13" name="TextBox 12">
@@ -19732,8 +19732,8 @@
           </a:p>
         </p:txBody>
       </p:sp>
-      <mc:AlternateContent xmlns:mc="http://schemas.openxmlformats.org/markup-compatibility/2006">
-        <mc:Choice xmlns:a14="http://schemas.microsoft.com/office/drawing/2010/main" Requires="a14">
+      <mc:AlternateContent xmlns:mc="http://schemas.openxmlformats.org/markup-compatibility/2006" xmlns:a14="http://schemas.microsoft.com/office/drawing/2010/main">
+        <mc:Choice Requires="a14">
           <p:sp>
             <p:nvSpPr>
               <p:cNvPr id="19" name="TextBox 18">
@@ -19800,7 +19800,7 @@
             </p:txBody>
           </p:sp>
         </mc:Choice>
-        <mc:Fallback>
+        <mc:Fallback xmlns="">
           <p:sp>
             <p:nvSpPr>
               <p:cNvPr id="19" name="TextBox 18">
@@ -20039,8 +20039,8 @@
           </a:p>
         </p:txBody>
       </p:sp>
-      <mc:AlternateContent xmlns:mc="http://schemas.openxmlformats.org/markup-compatibility/2006">
-        <mc:Choice xmlns:a14="http://schemas.microsoft.com/office/drawing/2010/main" Requires="a14">
+      <mc:AlternateContent xmlns:mc="http://schemas.openxmlformats.org/markup-compatibility/2006" xmlns:a14="http://schemas.microsoft.com/office/drawing/2010/main">
+        <mc:Choice Requires="a14">
           <p:sp>
             <p:nvSpPr>
               <p:cNvPr id="3" name="TextBox 2">
@@ -20130,7 +20130,7 @@
             </p:txBody>
           </p:sp>
         </mc:Choice>
-        <mc:Fallback>
+        <mc:Fallback xmlns="">
           <p:sp>
             <p:nvSpPr>
               <p:cNvPr id="3" name="TextBox 2">
@@ -21707,7 +21707,7 @@
         </p:nvSpPr>
         <p:spPr>
           <a:xfrm>
-            <a:off x="788782" y="445605"/>
+            <a:off x="2032965" y="460595"/>
             <a:ext cx="10614435" cy="6241002"/>
           </a:xfrm>
         </p:spPr>
@@ -21757,7 +21757,7 @@
         </p:blipFill>
         <p:spPr>
           <a:xfrm>
-            <a:off x="3199659" y="1346183"/>
+            <a:off x="4848577" y="1346182"/>
             <a:ext cx="5021063" cy="4439847"/>
           </a:xfrm>
           <a:prstGeom prst="rect">
@@ -21779,7 +21779,7 @@
         </p:nvSpPr>
         <p:spPr>
           <a:xfrm>
-            <a:off x="4658498" y="5808421"/>
+            <a:off x="6323920" y="5786029"/>
             <a:ext cx="772071" cy="369332"/>
           </a:xfrm>
           <a:prstGeom prst="rect">
@@ -21814,7 +21814,7 @@
         </p:nvSpPr>
         <p:spPr>
           <a:xfrm>
-            <a:off x="6761433" y="5808421"/>
+            <a:off x="8426855" y="5786029"/>
             <a:ext cx="772071" cy="369332"/>
           </a:xfrm>
           <a:prstGeom prst="rect">
@@ -21832,6 +21832,46 @@
               <a:rPr lang="en-US" dirty="0"/>
               <a:t>Stem?</a:t>
             </a:r>
+          </a:p>
+        </p:txBody>
+      </p:sp>
+      <p:sp>
+        <p:nvSpPr>
+          <p:cNvPr id="7" name="TextBox 6">
+            <a:extLst>
+              <a:ext uri="{FF2B5EF4-FFF2-40B4-BE49-F238E27FC236}">
+                <a16:creationId xmlns:a16="http://schemas.microsoft.com/office/drawing/2014/main" id="{46F488DE-8887-D343-F7EE-D5306AAFE5B1}"/>
+              </a:ext>
+            </a:extLst>
+          </p:cNvPr>
+          <p:cNvSpPr txBox="1"/>
+          <p:nvPr/>
+        </p:nvSpPr>
+        <p:spPr>
+          <a:xfrm>
+            <a:off x="584552" y="2828835"/>
+            <a:ext cx="3475616" cy="1200329"/>
+          </a:xfrm>
+          <a:prstGeom prst="rect">
+            <a:avLst/>
+          </a:prstGeom>
+          <a:noFill/>
+        </p:spPr>
+        <p:txBody>
+          <a:bodyPr wrap="square">
+            <a:spAutoFit/>
+          </a:bodyPr>
+          <a:lstStyle/>
+          <a:p>
+            <a:r>
+              <a:rPr lang="en-US" sz="2400" dirty="0"/>
+              <a:t>Question: </a:t>
+            </a:r>
+            <a:r>
+              <a:rPr lang="en-US" sz="2400" i="1" dirty="0"/>
+              <a:t>How does the gender gap differ by field (STEM vs non-STEM)?</a:t>
+            </a:r>
+            <a:endParaRPr lang="en-US" sz="2400" dirty="0"/>
           </a:p>
         </p:txBody>
       </p:sp>
@@ -25674,7 +25714,7 @@
             <a:pPr algn="ctr"/>
             <a:r>
               <a:rPr lang="en-US" sz="2800" dirty="0"/>
-              <a:t>The data: median MN income by field of occupation (ACS 2016)</a:t>
+              <a:t>The data: mean income by field of occupation among MNs with master’s (ACS 2016)</a:t>
             </a:r>
           </a:p>
         </p:txBody>
@@ -31446,9 +31486,6 @@
                     <p:cTn id="3" fill="hold">
                       <p:stCondLst>
                         <p:cond delay="indefinite"/>
-                        <p:cond evt="onBegin" delay="0">
-                          <p:tn val="2"/>
-                        </p:cond>
                       </p:stCondLst>
                       <p:childTnLst>
                         <p:par>
@@ -31458,7 +31495,7 @@
                             </p:stCondLst>
                             <p:childTnLst>
                               <p:par>
-                                <p:cTn id="5" presetID="1" presetClass="entr" presetSubtype="0" fill="hold" grpId="0" nodeType="withEffect">
+                                <p:cTn id="5" presetID="1" presetClass="entr" presetSubtype="0" fill="hold" grpId="0" nodeType="clickEffect">
                                   <p:stCondLst>
                                     <p:cond delay="0"/>
                                   </p:stCondLst>
@@ -31498,7 +31535,7 @@
                                           </p:stCondLst>
                                         </p:cTn>
                                         <p:tgtEl>
-                                          <p:spTgt spid="4"/>
+                                          <p:spTgt spid="5"/>
                                         </p:tgtEl>
                                         <p:attrNameLst>
                                           <p:attrName>style.visibility</p:attrName>
@@ -31525,78 +31562,6 @@
                                           </p:stCondLst>
                                         </p:cTn>
                                         <p:tgtEl>
-                                          <p:spTgt spid="5"/>
-                                        </p:tgtEl>
-                                        <p:attrNameLst>
-                                          <p:attrName>style.visibility</p:attrName>
-                                        </p:attrNameLst>
-                                      </p:cBhvr>
-                                      <p:to>
-                                        <p:strVal val="visible"/>
-                                      </p:to>
-                                    </p:set>
-                                  </p:childTnLst>
-                                </p:cTn>
-                              </p:par>
-                              <p:par>
-                                <p:cTn id="11" presetID="1" presetClass="entr" presetSubtype="0" fill="hold" grpId="0" nodeType="withEffect">
-                                  <p:stCondLst>
-                                    <p:cond delay="0"/>
-                                  </p:stCondLst>
-                                  <p:childTnLst>
-                                    <p:set>
-                                      <p:cBhvr>
-                                        <p:cTn id="12" dur="1" fill="hold">
-                                          <p:stCondLst>
-                                            <p:cond delay="0"/>
-                                          </p:stCondLst>
-                                        </p:cTn>
-                                        <p:tgtEl>
-                                          <p:spTgt spid="7"/>
-                                        </p:tgtEl>
-                                        <p:attrNameLst>
-                                          <p:attrName>style.visibility</p:attrName>
-                                        </p:attrNameLst>
-                                      </p:cBhvr>
-                                      <p:to>
-                                        <p:strVal val="visible"/>
-                                      </p:to>
-                                    </p:set>
-                                  </p:childTnLst>
-                                </p:cTn>
-                              </p:par>
-                            </p:childTnLst>
-                          </p:cTn>
-                        </p:par>
-                      </p:childTnLst>
-                    </p:cTn>
-                  </p:par>
-                  <p:par>
-                    <p:cTn id="13" fill="hold">
-                      <p:stCondLst>
-                        <p:cond delay="indefinite"/>
-                      </p:stCondLst>
-                      <p:childTnLst>
-                        <p:par>
-                          <p:cTn id="14" fill="hold">
-                            <p:stCondLst>
-                              <p:cond delay="0"/>
-                            </p:stCondLst>
-                            <p:childTnLst>
-                              <p:par>
-                                <p:cTn id="15" presetID="1" presetClass="entr" presetSubtype="0" fill="hold" grpId="0" nodeType="clickEffect">
-                                  <p:stCondLst>
-                                    <p:cond delay="0"/>
-                                  </p:stCondLst>
-                                  <p:childTnLst>
-                                    <p:set>
-                                      <p:cBhvr>
-                                        <p:cTn id="16" dur="1" fill="hold">
-                                          <p:stCondLst>
-                                            <p:cond delay="0"/>
-                                          </p:stCondLst>
-                                        </p:cTn>
-                                        <p:tgtEl>
                                           <p:spTgt spid="10"/>
                                         </p:tgtEl>
                                         <p:attrNameLst>
@@ -31617,32 +31582,86 @@
                     </p:cTn>
                   </p:par>
                   <p:par>
-                    <p:cTn id="17" fill="hold">
+                    <p:cTn id="11" fill="hold">
                       <p:stCondLst>
                         <p:cond delay="indefinite"/>
                       </p:stCondLst>
                       <p:childTnLst>
                         <p:par>
-                          <p:cTn id="18" fill="hold">
+                          <p:cTn id="12" fill="hold">
                             <p:stCondLst>
                               <p:cond delay="0"/>
                             </p:stCondLst>
                             <p:childTnLst>
                               <p:par>
-                                <p:cTn id="19" presetID="1" presetClass="entr" presetSubtype="0" fill="hold" grpId="0" nodeType="clickEffect">
+                                <p:cTn id="13" presetID="1" presetClass="entr" presetSubtype="0" fill="hold" grpId="0" nodeType="clickEffect">
                                   <p:stCondLst>
                                     <p:cond delay="0"/>
                                   </p:stCondLst>
                                   <p:childTnLst>
                                     <p:set>
                                       <p:cBhvr>
-                                        <p:cTn id="20" dur="1" fill="hold">
+                                        <p:cTn id="14" dur="1" fill="hold">
+                                          <p:stCondLst>
+                                            <p:cond delay="0"/>
+                                          </p:stCondLst>
+                                        </p:cTn>
+                                        <p:tgtEl>
+                                          <p:spTgt spid="7"/>
+                                        </p:tgtEl>
+                                        <p:attrNameLst>
+                                          <p:attrName>style.visibility</p:attrName>
+                                        </p:attrNameLst>
+                                      </p:cBhvr>
+                                      <p:to>
+                                        <p:strVal val="visible"/>
+                                      </p:to>
+                                    </p:set>
+                                  </p:childTnLst>
+                                </p:cTn>
+                              </p:par>
+                              <p:par>
+                                <p:cTn id="15" presetID="1" presetClass="entr" presetSubtype="0" fill="hold" grpId="0" nodeType="withEffect">
+                                  <p:stCondLst>
+                                    <p:cond delay="0"/>
+                                  </p:stCondLst>
+                                  <p:childTnLst>
+                                    <p:set>
+                                      <p:cBhvr>
+                                        <p:cTn id="16" dur="1" fill="hold">
                                           <p:stCondLst>
                                             <p:cond delay="0"/>
                                           </p:stCondLst>
                                         </p:cTn>
                                         <p:tgtEl>
                                           <p:spTgt spid="12"/>
+                                        </p:tgtEl>
+                                        <p:attrNameLst>
+                                          <p:attrName>style.visibility</p:attrName>
+                                        </p:attrNameLst>
+                                      </p:cBhvr>
+                                      <p:to>
+                                        <p:strVal val="visible"/>
+                                      </p:to>
+                                    </p:set>
+                                  </p:childTnLst>
+                                </p:cTn>
+                              </p:par>
+                              <p:par>
+                                <p:cTn id="17" presetID="1" presetClass="entr" presetSubtype="0" fill="hold" grpId="0" nodeType="withEffect">
+                                  <p:stCondLst>
+                                    <p:cond delay="0"/>
+                                  </p:stCondLst>
+                                  <p:childTnLst>
+                                    <p:set>
+                                      <p:cBhvr>
+                                        <p:cTn id="18" dur="1" fill="hold">
+                                          <p:stCondLst>
+                                            <p:cond delay="0"/>
+                                          </p:stCondLst>
+                                        </p:cTn>
+                                        <p:tgtEl>
+                                          <p:spTgt spid="4"/>
                                         </p:tgtEl>
                                         <p:attrNameLst>
                                           <p:attrName>style.visibility</p:attrName>

--- a/USCOTS2023_Gestalt.pptx
+++ b/USCOTS2023_Gestalt.pptx
@@ -257,7 +257,7 @@
           <a:p>
             <a:fld id="{95663606-5321-4B15-B6E1-7648CC79B382}" type="datetimeFigureOut">
               <a:rPr lang="en-US" smtClean="0"/>
-              <a:t>5/31/2023</a:t>
+              <a:t>6/2/2023</a:t>
             </a:fld>
             <a:endParaRPr lang="en-US"/>
           </a:p>
@@ -857,7 +857,7 @@
           <a:p>
             <a:fld id="{89AA8F6E-F394-460E-A7CA-A9FEBA82B3BA}" type="datetimeFigureOut">
               <a:rPr lang="en-US" smtClean="0"/>
-              <a:t>5/31/2023</a:t>
+              <a:t>6/2/2023</a:t>
             </a:fld>
             <a:endParaRPr lang="en-US"/>
           </a:p>
@@ -1055,7 +1055,7 @@
           <a:p>
             <a:fld id="{89AA8F6E-F394-460E-A7CA-A9FEBA82B3BA}" type="datetimeFigureOut">
               <a:rPr lang="en-US" smtClean="0"/>
-              <a:t>5/31/2023</a:t>
+              <a:t>6/2/2023</a:t>
             </a:fld>
             <a:endParaRPr lang="en-US"/>
           </a:p>
@@ -1263,7 +1263,7 @@
           <a:p>
             <a:fld id="{89AA8F6E-F394-460E-A7CA-A9FEBA82B3BA}" type="datetimeFigureOut">
               <a:rPr lang="en-US" smtClean="0"/>
-              <a:t>5/31/2023</a:t>
+              <a:t>6/2/2023</a:t>
             </a:fld>
             <a:endParaRPr lang="en-US"/>
           </a:p>
@@ -1461,7 +1461,7 @@
           <a:p>
             <a:fld id="{89AA8F6E-F394-460E-A7CA-A9FEBA82B3BA}" type="datetimeFigureOut">
               <a:rPr lang="en-US" smtClean="0"/>
-              <a:t>5/31/2023</a:t>
+              <a:t>6/2/2023</a:t>
             </a:fld>
             <a:endParaRPr lang="en-US"/>
           </a:p>
@@ -1736,7 +1736,7 @@
           <a:p>
             <a:fld id="{89AA8F6E-F394-460E-A7CA-A9FEBA82B3BA}" type="datetimeFigureOut">
               <a:rPr lang="en-US" smtClean="0"/>
-              <a:t>5/31/2023</a:t>
+              <a:t>6/2/2023</a:t>
             </a:fld>
             <a:endParaRPr lang="en-US"/>
           </a:p>
@@ -2001,7 +2001,7 @@
           <a:p>
             <a:fld id="{89AA8F6E-F394-460E-A7CA-A9FEBA82B3BA}" type="datetimeFigureOut">
               <a:rPr lang="en-US" smtClean="0"/>
-              <a:t>5/31/2023</a:t>
+              <a:t>6/2/2023</a:t>
             </a:fld>
             <a:endParaRPr lang="en-US"/>
           </a:p>
@@ -2413,7 +2413,7 @@
           <a:p>
             <a:fld id="{89AA8F6E-F394-460E-A7CA-A9FEBA82B3BA}" type="datetimeFigureOut">
               <a:rPr lang="en-US" smtClean="0"/>
-              <a:t>5/31/2023</a:t>
+              <a:t>6/2/2023</a:t>
             </a:fld>
             <a:endParaRPr lang="en-US"/>
           </a:p>
@@ -2554,7 +2554,7 @@
           <a:p>
             <a:fld id="{89AA8F6E-F394-460E-A7CA-A9FEBA82B3BA}" type="datetimeFigureOut">
               <a:rPr lang="en-US" smtClean="0"/>
-              <a:t>5/31/2023</a:t>
+              <a:t>6/2/2023</a:t>
             </a:fld>
             <a:endParaRPr lang="en-US"/>
           </a:p>
@@ -2667,7 +2667,7 @@
           <a:p>
             <a:fld id="{89AA8F6E-F394-460E-A7CA-A9FEBA82B3BA}" type="datetimeFigureOut">
               <a:rPr lang="en-US" smtClean="0"/>
-              <a:t>5/31/2023</a:t>
+              <a:t>6/2/2023</a:t>
             </a:fld>
             <a:endParaRPr lang="en-US"/>
           </a:p>
@@ -2978,7 +2978,7 @@
           <a:p>
             <a:fld id="{89AA8F6E-F394-460E-A7CA-A9FEBA82B3BA}" type="datetimeFigureOut">
               <a:rPr lang="en-US" smtClean="0"/>
-              <a:t>5/31/2023</a:t>
+              <a:t>6/2/2023</a:t>
             </a:fld>
             <a:endParaRPr lang="en-US"/>
           </a:p>
@@ -3266,7 +3266,7 @@
           <a:p>
             <a:fld id="{89AA8F6E-F394-460E-A7CA-A9FEBA82B3BA}" type="datetimeFigureOut">
               <a:rPr lang="en-US" smtClean="0"/>
-              <a:t>5/31/2023</a:t>
+              <a:t>6/2/2023</a:t>
             </a:fld>
             <a:endParaRPr lang="en-US"/>
           </a:p>
@@ -3507,7 +3507,7 @@
           <a:p>
             <a:fld id="{89AA8F6E-F394-460E-A7CA-A9FEBA82B3BA}" type="datetimeFigureOut">
               <a:rPr lang="en-US" smtClean="0"/>
-              <a:t>5/31/2023</a:t>
+              <a:t>6/2/2023</a:t>
             </a:fld>
             <a:endParaRPr lang="en-US"/>
           </a:p>
@@ -23946,6 +23946,77 @@
             <a:r>
               <a:rPr lang="en-US" sz="8000" dirty="0"/>
               <a:t>ACTIVITY TIME!!</a:t>
+            </a:r>
+          </a:p>
+        </p:txBody>
+      </p:sp>
+      <p:pic>
+        <p:nvPicPr>
+          <p:cNvPr id="3" name="Picture 2">
+            <a:extLst>
+              <a:ext uri="{FF2B5EF4-FFF2-40B4-BE49-F238E27FC236}">
+                <a16:creationId xmlns:a16="http://schemas.microsoft.com/office/drawing/2014/main" id="{14AEEE23-62E1-6C76-05C7-5DA195DF7CE5}"/>
+              </a:ext>
+            </a:extLst>
+          </p:cNvPr>
+          <p:cNvPicPr>
+            <a:picLocks noChangeAspect="1"/>
+          </p:cNvPicPr>
+          <p:nvPr/>
+        </p:nvPicPr>
+        <p:blipFill>
+          <a:blip r:embed="rId2"/>
+          <a:stretch>
+            <a:fillRect/>
+          </a:stretch>
+        </p:blipFill>
+        <p:spPr>
+          <a:xfrm>
+            <a:off x="5181472" y="3689758"/>
+            <a:ext cx="1829055" cy="1648055"/>
+          </a:xfrm>
+          <a:prstGeom prst="rect">
+            <a:avLst/>
+          </a:prstGeom>
+        </p:spPr>
+      </p:pic>
+      <p:sp>
+        <p:nvSpPr>
+          <p:cNvPr id="4" name="TextBox 3">
+            <a:extLst>
+              <a:ext uri="{FF2B5EF4-FFF2-40B4-BE49-F238E27FC236}">
+                <a16:creationId xmlns:a16="http://schemas.microsoft.com/office/drawing/2014/main" id="{6A4ECA50-F613-F9D8-3729-C246F6E89211}"/>
+              </a:ext>
+            </a:extLst>
+          </p:cNvPr>
+          <p:cNvSpPr txBox="1"/>
+          <p:nvPr/>
+        </p:nvSpPr>
+        <p:spPr>
+          <a:xfrm>
+            <a:off x="4871539" y="5305942"/>
+            <a:ext cx="2326159" cy="369332"/>
+          </a:xfrm>
+          <a:prstGeom prst="rect">
+            <a:avLst/>
+          </a:prstGeom>
+          <a:noFill/>
+        </p:spPr>
+        <p:txBody>
+          <a:bodyPr wrap="square">
+            <a:spAutoFit/>
+          </a:bodyPr>
+          <a:lstStyle/>
+          <a:p>
+            <a:r>
+              <a:rPr lang="en-US" dirty="0">
+                <a:hlinkClick r:id="rId3"/>
+              </a:rPr>
+              <a:t>https://bit.ly/3OM7ff6</a:t>
+            </a:r>
+            <a:r>
+              <a:rPr lang="en-US" dirty="0"/>
+              <a:t> </a:t>
             </a:r>
           </a:p>
         </p:txBody>
